--- a/illustrations/schema_horizon.pptx
+++ b/illustrations/schema_horizon.pptx
@@ -259,7 +259,7 @@
           <a:p>
             <a:fld id="{859FB00F-E207-4101-9940-B9E817E1FCE4}" type="datetimeFigureOut">
               <a:rPr lang="fr-FR" smtClean="0"/>
-              <a:t>07/05/2024</a:t>
+              <a:t>03/06/2024</a:t>
             </a:fld>
             <a:endParaRPr lang="fr-FR"/>
           </a:p>
@@ -457,7 +457,7 @@
           <a:p>
             <a:fld id="{859FB00F-E207-4101-9940-B9E817E1FCE4}" type="datetimeFigureOut">
               <a:rPr lang="fr-FR" smtClean="0"/>
-              <a:t>07/05/2024</a:t>
+              <a:t>03/06/2024</a:t>
             </a:fld>
             <a:endParaRPr lang="fr-FR"/>
           </a:p>
@@ -665,7 +665,7 @@
           <a:p>
             <a:fld id="{859FB00F-E207-4101-9940-B9E817E1FCE4}" type="datetimeFigureOut">
               <a:rPr lang="fr-FR" smtClean="0"/>
-              <a:t>07/05/2024</a:t>
+              <a:t>03/06/2024</a:t>
             </a:fld>
             <a:endParaRPr lang="fr-FR"/>
           </a:p>
@@ -863,7 +863,7 @@
           <a:p>
             <a:fld id="{859FB00F-E207-4101-9940-B9E817E1FCE4}" type="datetimeFigureOut">
               <a:rPr lang="fr-FR" smtClean="0"/>
-              <a:t>07/05/2024</a:t>
+              <a:t>03/06/2024</a:t>
             </a:fld>
             <a:endParaRPr lang="fr-FR"/>
           </a:p>
@@ -1138,7 +1138,7 @@
           <a:p>
             <a:fld id="{859FB00F-E207-4101-9940-B9E817E1FCE4}" type="datetimeFigureOut">
               <a:rPr lang="fr-FR" smtClean="0"/>
-              <a:t>07/05/2024</a:t>
+              <a:t>03/06/2024</a:t>
             </a:fld>
             <a:endParaRPr lang="fr-FR"/>
           </a:p>
@@ -1403,7 +1403,7 @@
           <a:p>
             <a:fld id="{859FB00F-E207-4101-9940-B9E817E1FCE4}" type="datetimeFigureOut">
               <a:rPr lang="fr-FR" smtClean="0"/>
-              <a:t>07/05/2024</a:t>
+              <a:t>03/06/2024</a:t>
             </a:fld>
             <a:endParaRPr lang="fr-FR"/>
           </a:p>
@@ -1815,7 +1815,7 @@
           <a:p>
             <a:fld id="{859FB00F-E207-4101-9940-B9E817E1FCE4}" type="datetimeFigureOut">
               <a:rPr lang="fr-FR" smtClean="0"/>
-              <a:t>07/05/2024</a:t>
+              <a:t>03/06/2024</a:t>
             </a:fld>
             <a:endParaRPr lang="fr-FR"/>
           </a:p>
@@ -1956,7 +1956,7 @@
           <a:p>
             <a:fld id="{859FB00F-E207-4101-9940-B9E817E1FCE4}" type="datetimeFigureOut">
               <a:rPr lang="fr-FR" smtClean="0"/>
-              <a:t>07/05/2024</a:t>
+              <a:t>03/06/2024</a:t>
             </a:fld>
             <a:endParaRPr lang="fr-FR"/>
           </a:p>
@@ -2069,7 +2069,7 @@
           <a:p>
             <a:fld id="{859FB00F-E207-4101-9940-B9E817E1FCE4}" type="datetimeFigureOut">
               <a:rPr lang="fr-FR" smtClean="0"/>
-              <a:t>07/05/2024</a:t>
+              <a:t>03/06/2024</a:t>
             </a:fld>
             <a:endParaRPr lang="fr-FR"/>
           </a:p>
@@ -2380,7 +2380,7 @@
           <a:p>
             <a:fld id="{859FB00F-E207-4101-9940-B9E817E1FCE4}" type="datetimeFigureOut">
               <a:rPr lang="fr-FR" smtClean="0"/>
-              <a:t>07/05/2024</a:t>
+              <a:t>03/06/2024</a:t>
             </a:fld>
             <a:endParaRPr lang="fr-FR"/>
           </a:p>
@@ -2671,7 +2671,7 @@
           <a:p>
             <a:fld id="{859FB00F-E207-4101-9940-B9E817E1FCE4}" type="datetimeFigureOut">
               <a:rPr lang="fr-FR" smtClean="0"/>
-              <a:t>07/05/2024</a:t>
+              <a:t>03/06/2024</a:t>
             </a:fld>
             <a:endParaRPr lang="fr-FR"/>
           </a:p>
@@ -2912,7 +2912,7 @@
           <a:p>
             <a:fld id="{859FB00F-E207-4101-9940-B9E817E1FCE4}" type="datetimeFigureOut">
               <a:rPr lang="fr-FR" smtClean="0"/>
-              <a:t>07/05/2024</a:t>
+              <a:t>03/06/2024</a:t>
             </a:fld>
             <a:endParaRPr lang="fr-FR"/>
           </a:p>
@@ -3987,50 +3987,8 @@
           </mc:Fallback>
         </mc:AlternateContent>
       </p:grpSp>
-      <p:sp>
-        <p:nvSpPr>
-          <p:cNvPr id="58" name="ZoneTexte 57">
-            <a:extLst>
-              <a:ext uri="{FF2B5EF4-FFF2-40B4-BE49-F238E27FC236}">
-                <a16:creationId xmlns:a16="http://schemas.microsoft.com/office/drawing/2014/main" id="{5925485D-A47B-43A0-A3E4-B693200A8866}"/>
-              </a:ext>
-            </a:extLst>
-          </p:cNvPr>
-          <p:cNvSpPr txBox="1"/>
-          <p:nvPr/>
-        </p:nvSpPr>
-        <p:spPr>
-          <a:xfrm rot="16200000">
-            <a:off x="-139124" y="3686000"/>
-            <a:ext cx="620683" cy="369332"/>
-          </a:xfrm>
-          <a:prstGeom prst="rect">
-            <a:avLst/>
-          </a:prstGeom>
-          <a:noFill/>
-        </p:spPr>
-        <p:txBody>
-          <a:bodyPr wrap="none" rtlCol="0">
-            <a:spAutoFit/>
-          </a:bodyPr>
-          <a:lstStyle/>
-          <a:p>
-            <a:r>
-              <a:rPr lang="fr-FR" dirty="0">
-                <a:solidFill>
-                  <a:schemeClr val="tx1">
-                    <a:lumMod val="50000"/>
-                    <a:lumOff val="50000"/>
-                  </a:schemeClr>
-                </a:solidFill>
-              </a:rPr>
-              <a:t>time</a:t>
-            </a:r>
-          </a:p>
-        </p:txBody>
-      </p:sp>
-      <mc:AlternateContent xmlns:mc="http://schemas.openxmlformats.org/markup-compatibility/2006">
-        <mc:Choice xmlns:a14="http://schemas.microsoft.com/office/drawing/2010/main" Requires="a14">
+      <mc:AlternateContent xmlns:mc="http://schemas.openxmlformats.org/markup-compatibility/2006" xmlns:a14="http://schemas.microsoft.com/office/drawing/2010/main">
+        <mc:Choice Requires="a14">
           <p:sp>
             <p:nvSpPr>
               <p:cNvPr id="59" name="ZoneTexte 58">
@@ -4087,7 +4045,7 @@
             </p:txBody>
           </p:sp>
         </mc:Choice>
-        <mc:Fallback>
+        <mc:Fallback xmlns="">
           <p:sp>
             <p:nvSpPr>
               <p:cNvPr id="59" name="ZoneTexte 58">
@@ -4132,8 +4090,8 @@
           </p:sp>
         </mc:Fallback>
       </mc:AlternateContent>
-      <mc:AlternateContent xmlns:mc="http://schemas.openxmlformats.org/markup-compatibility/2006">
-        <mc:Choice xmlns:a14="http://schemas.microsoft.com/office/drawing/2010/main" Requires="a14">
+      <mc:AlternateContent xmlns:mc="http://schemas.openxmlformats.org/markup-compatibility/2006" xmlns:a14="http://schemas.microsoft.com/office/drawing/2010/main">
+        <mc:Choice Requires="a14">
           <p:sp>
             <p:nvSpPr>
               <p:cNvPr id="60" name="ZoneTexte 59">
@@ -4190,7 +4148,7 @@
             </p:txBody>
           </p:sp>
         </mc:Choice>
-        <mc:Fallback>
+        <mc:Fallback xmlns="">
           <p:sp>
             <p:nvSpPr>
               <p:cNvPr id="60" name="ZoneTexte 59">
@@ -4235,8 +4193,8 @@
           </p:sp>
         </mc:Fallback>
       </mc:AlternateContent>
-      <mc:AlternateContent xmlns:mc="http://schemas.openxmlformats.org/markup-compatibility/2006">
-        <mc:Choice xmlns:a14="http://schemas.microsoft.com/office/drawing/2010/main" Requires="a14">
+      <mc:AlternateContent xmlns:mc="http://schemas.openxmlformats.org/markup-compatibility/2006" xmlns:a14="http://schemas.microsoft.com/office/drawing/2010/main">
+        <mc:Choice Requires="a14">
           <p:sp>
             <p:nvSpPr>
               <p:cNvPr id="61" name="ZoneTexte 60">
@@ -4293,7 +4251,7 @@
             </p:txBody>
           </p:sp>
         </mc:Choice>
-        <mc:Fallback>
+        <mc:Fallback xmlns="">
           <p:sp>
             <p:nvSpPr>
               <p:cNvPr id="61" name="ZoneTexte 60">
@@ -4338,8 +4296,8 @@
           </p:sp>
         </mc:Fallback>
       </mc:AlternateContent>
-      <mc:AlternateContent xmlns:mc="http://schemas.openxmlformats.org/markup-compatibility/2006">
-        <mc:Choice xmlns:a14="http://schemas.microsoft.com/office/drawing/2010/main" Requires="a14">
+      <mc:AlternateContent xmlns:mc="http://schemas.openxmlformats.org/markup-compatibility/2006" xmlns:a14="http://schemas.microsoft.com/office/drawing/2010/main">
+        <mc:Choice Requires="a14">
           <p:sp>
             <p:nvSpPr>
               <p:cNvPr id="62" name="ZoneTexte 61">
@@ -4396,7 +4354,7 @@
             </p:txBody>
           </p:sp>
         </mc:Choice>
-        <mc:Fallback>
+        <mc:Fallback xmlns="">
           <p:sp>
             <p:nvSpPr>
               <p:cNvPr id="62" name="ZoneTexte 61">
@@ -4441,8 +4399,8 @@
           </p:sp>
         </mc:Fallback>
       </mc:AlternateContent>
-      <mc:AlternateContent xmlns:mc="http://schemas.openxmlformats.org/markup-compatibility/2006">
-        <mc:Choice xmlns:a14="http://schemas.microsoft.com/office/drawing/2010/main" Requires="a14">
+      <mc:AlternateContent xmlns:mc="http://schemas.openxmlformats.org/markup-compatibility/2006" xmlns:a14="http://schemas.microsoft.com/office/drawing/2010/main">
+        <mc:Choice Requires="a14">
           <p:sp>
             <p:nvSpPr>
               <p:cNvPr id="63" name="ZoneTexte 62">
@@ -4499,7 +4457,7 @@
             </p:txBody>
           </p:sp>
         </mc:Choice>
-        <mc:Fallback>
+        <mc:Fallback xmlns="">
           <p:sp>
             <p:nvSpPr>
               <p:cNvPr id="63" name="ZoneTexte 62">
@@ -4544,8 +4502,8 @@
           </p:sp>
         </mc:Fallback>
       </mc:AlternateContent>
-      <mc:AlternateContent xmlns:mc="http://schemas.openxmlformats.org/markup-compatibility/2006">
-        <mc:Choice xmlns:a14="http://schemas.microsoft.com/office/drawing/2010/main" Requires="a14">
+      <mc:AlternateContent xmlns:mc="http://schemas.openxmlformats.org/markup-compatibility/2006" xmlns:a14="http://schemas.microsoft.com/office/drawing/2010/main">
+        <mc:Choice Requires="a14">
           <p:sp>
             <p:nvSpPr>
               <p:cNvPr id="64" name="ZoneTexte 63">
@@ -4602,7 +4560,7 @@
             </p:txBody>
           </p:sp>
         </mc:Choice>
-        <mc:Fallback>
+        <mc:Fallback xmlns="">
           <p:sp>
             <p:nvSpPr>
               <p:cNvPr id="64" name="ZoneTexte 63">
@@ -5619,7 +5577,7 @@
             <p:spPr>
               <a:xfrm>
                 <a:off x="5927603" y="2931202"/>
-                <a:ext cx="0" cy="573998"/>
+                <a:ext cx="0" cy="288000"/>
               </a:xfrm>
               <a:prstGeom prst="line">
                 <a:avLst/>
@@ -5642,8 +5600,8 @@
             </p:style>
           </p:cxnSp>
         </p:grpSp>
-        <mc:AlternateContent xmlns:mc="http://schemas.openxmlformats.org/markup-compatibility/2006">
-          <mc:Choice xmlns:a14="http://schemas.microsoft.com/office/drawing/2010/main" Requires="a14">
+        <mc:AlternateContent xmlns:mc="http://schemas.openxmlformats.org/markup-compatibility/2006" xmlns:a14="http://schemas.microsoft.com/office/drawing/2010/main">
+          <mc:Choice Requires="a14">
             <p:sp>
               <p:nvSpPr>
                 <p:cNvPr id="65" name="ZoneTexte 64">
@@ -5700,7 +5658,7 @@
               </p:txBody>
             </p:sp>
           </mc:Choice>
-          <mc:Fallback>
+          <mc:Fallback xmlns="">
             <p:sp>
               <p:nvSpPr>
                 <p:cNvPr id="65" name="ZoneTexte 64">
@@ -5745,8 +5703,8 @@
             </p:sp>
           </mc:Fallback>
         </mc:AlternateContent>
-        <mc:AlternateContent xmlns:mc="http://schemas.openxmlformats.org/markup-compatibility/2006">
-          <mc:Choice xmlns:a14="http://schemas.microsoft.com/office/drawing/2010/main" Requires="a14">
+        <mc:AlternateContent xmlns:mc="http://schemas.openxmlformats.org/markup-compatibility/2006" xmlns:a14="http://schemas.microsoft.com/office/drawing/2010/main">
+          <mc:Choice Requires="a14">
             <p:sp>
               <p:nvSpPr>
                 <p:cNvPr id="66" name="ZoneTexte 65">
@@ -5803,7 +5761,7 @@
               </p:txBody>
             </p:sp>
           </mc:Choice>
-          <mc:Fallback>
+          <mc:Fallback xmlns="">
             <p:sp>
               <p:nvSpPr>
                 <p:cNvPr id="66" name="ZoneTexte 65">
@@ -5848,8 +5806,8 @@
             </p:sp>
           </mc:Fallback>
         </mc:AlternateContent>
-        <mc:AlternateContent xmlns:mc="http://schemas.openxmlformats.org/markup-compatibility/2006">
-          <mc:Choice xmlns:a14="http://schemas.microsoft.com/office/drawing/2010/main" Requires="a14">
+        <mc:AlternateContent xmlns:mc="http://schemas.openxmlformats.org/markup-compatibility/2006" xmlns:a14="http://schemas.microsoft.com/office/drawing/2010/main">
+          <mc:Choice Requires="a14">
             <p:sp>
               <p:nvSpPr>
                 <p:cNvPr id="67" name="ZoneTexte 66">
@@ -5906,7 +5864,7 @@
               </p:txBody>
             </p:sp>
           </mc:Choice>
-          <mc:Fallback>
+          <mc:Fallback xmlns="">
             <p:sp>
               <p:nvSpPr>
                 <p:cNvPr id="67" name="ZoneTexte 66">
@@ -6383,6 +6341,109 @@
             </a:p>
           </p:txBody>
         </p:sp>
+        <mc:AlternateContent xmlns:mc="http://schemas.openxmlformats.org/markup-compatibility/2006">
+          <mc:Choice xmlns:a14="http://schemas.microsoft.com/office/drawing/2010/main" Requires="a14">
+            <p:sp>
+              <p:nvSpPr>
+                <p:cNvPr id="241" name="ZoneTexte 240">
+                  <a:extLst>
+                    <a:ext uri="{FF2B5EF4-FFF2-40B4-BE49-F238E27FC236}">
+                      <a16:creationId xmlns:a16="http://schemas.microsoft.com/office/drawing/2014/main" id="{8F7FEFFA-F5D0-48AB-A3CD-9CD955CAE019}"/>
+                    </a:ext>
+                  </a:extLst>
+                </p:cNvPr>
+                <p:cNvSpPr txBox="1"/>
+                <p:nvPr/>
+              </p:nvSpPr>
+              <p:spPr>
+                <a:xfrm>
+                  <a:off x="5445888" y="2631868"/>
+                  <a:ext cx="338554" cy="276999"/>
+                </a:xfrm>
+                <a:prstGeom prst="rect">
+                  <a:avLst/>
+                </a:prstGeom>
+                <a:noFill/>
+              </p:spPr>
+              <p:txBody>
+                <a:bodyPr wrap="none" rtlCol="0">
+                  <a:spAutoFit/>
+                </a:bodyPr>
+                <a:lstStyle/>
+                <a:p>
+                  <a:pPr/>
+                  <a14:m>
+                    <m:oMathPara xmlns:m="http://schemas.openxmlformats.org/officeDocument/2006/math">
+                      <m:oMathParaPr>
+                        <m:jc m:val="centerGroup"/>
+                      </m:oMathParaPr>
+                      <m:oMath xmlns:m="http://schemas.openxmlformats.org/officeDocument/2006/math">
+                        <m:r>
+                          <a:rPr lang="fr-FR" sz="1200" i="1">
+                            <a:solidFill>
+                              <a:srgbClr val="00B050"/>
+                            </a:solidFill>
+                            <a:latin typeface="Cambria Math" panose="02040503050406030204" pitchFamily="18" charset="0"/>
+                          </a:rPr>
+                          <m:t>×</m:t>
+                        </m:r>
+                      </m:oMath>
+                    </m:oMathPara>
+                  </a14:m>
+                  <a:endParaRPr lang="fr-FR" sz="1200" dirty="0">
+                    <a:solidFill>
+                      <a:srgbClr val="00B050"/>
+                    </a:solidFill>
+                  </a:endParaRPr>
+                </a:p>
+              </p:txBody>
+            </p:sp>
+          </mc:Choice>
+          <mc:Fallback>
+            <p:sp>
+              <p:nvSpPr>
+                <p:cNvPr id="241" name="ZoneTexte 240">
+                  <a:extLst>
+                    <a:ext uri="{FF2B5EF4-FFF2-40B4-BE49-F238E27FC236}">
+                      <a16:creationId xmlns:a16="http://schemas.microsoft.com/office/drawing/2014/main" id="{8F7FEFFA-F5D0-48AB-A3CD-9CD955CAE019}"/>
+                    </a:ext>
+                  </a:extLst>
+                </p:cNvPr>
+                <p:cNvSpPr txBox="1">
+                  <a:spLocks noRot="1" noChangeAspect="1" noMove="1" noResize="1" noEditPoints="1" noAdjustHandles="1" noChangeArrowheads="1" noChangeShapeType="1" noTextEdit="1"/>
+                </p:cNvSpPr>
+                <p:nvPr/>
+              </p:nvSpPr>
+              <p:spPr>
+                <a:xfrm>
+                  <a:off x="5445888" y="2631868"/>
+                  <a:ext cx="338554" cy="276999"/>
+                </a:xfrm>
+                <a:prstGeom prst="rect">
+                  <a:avLst/>
+                </a:prstGeom>
+                <a:blipFill>
+                  <a:blip r:embed="rId9"/>
+                  <a:stretch>
+                    <a:fillRect/>
+                  </a:stretch>
+                </a:blipFill>
+              </p:spPr>
+              <p:txBody>
+                <a:bodyPr/>
+                <a:lstStyle/>
+                <a:p>
+                  <a:r>
+                    <a:rPr lang="fr-FR">
+                      <a:noFill/>
+                    </a:rPr>
+                    <a:t> </a:t>
+                  </a:r>
+                </a:p>
+              </p:txBody>
+            </p:sp>
+          </mc:Fallback>
+        </mc:AlternateContent>
       </p:grpSp>
       <p:sp>
         <p:nvSpPr>
@@ -6659,7 +6720,7 @@
                     <a:avLst/>
                   </a:prstGeom>
                   <a:blipFill>
-                    <a:blip r:embed="rId9"/>
+                    <a:blip r:embed="rId10"/>
                     <a:stretch>
                       <a:fillRect l="-1688" t="-4505" r="-1477" b="-1802"/>
                     </a:stretch>
@@ -7329,8 +7390,8 @@
             </p:style>
           </p:cxnSp>
         </p:grpSp>
-        <mc:AlternateContent xmlns:mc="http://schemas.openxmlformats.org/markup-compatibility/2006">
-          <mc:Choice xmlns:a14="http://schemas.microsoft.com/office/drawing/2010/main" Requires="a14">
+        <mc:AlternateContent xmlns:mc="http://schemas.openxmlformats.org/markup-compatibility/2006" xmlns:a14="http://schemas.microsoft.com/office/drawing/2010/main">
+          <mc:Choice Requires="a14">
             <p:sp>
               <p:nvSpPr>
                 <p:cNvPr id="68" name="ZoneTexte 67">
@@ -7387,7 +7448,7 @@
               </p:txBody>
             </p:sp>
           </mc:Choice>
-          <mc:Fallback>
+          <mc:Fallback xmlns="">
             <p:sp>
               <p:nvSpPr>
                 <p:cNvPr id="68" name="ZoneTexte 67">
@@ -7432,8 +7493,8 @@
             </p:sp>
           </mc:Fallback>
         </mc:AlternateContent>
-        <mc:AlternateContent xmlns:mc="http://schemas.openxmlformats.org/markup-compatibility/2006">
-          <mc:Choice xmlns:a14="http://schemas.microsoft.com/office/drawing/2010/main" Requires="a14">
+        <mc:AlternateContent xmlns:mc="http://schemas.openxmlformats.org/markup-compatibility/2006" xmlns:a14="http://schemas.microsoft.com/office/drawing/2010/main">
+          <mc:Choice Requires="a14">
             <p:sp>
               <p:nvSpPr>
                 <p:cNvPr id="69" name="ZoneTexte 68">
@@ -7490,7 +7551,7 @@
               </p:txBody>
             </p:sp>
           </mc:Choice>
-          <mc:Fallback>
+          <mc:Fallback xmlns="">
             <p:sp>
               <p:nvSpPr>
                 <p:cNvPr id="69" name="ZoneTexte 68">
@@ -7514,7 +7575,7 @@
                   <a:avLst/>
                 </a:prstGeom>
                 <a:blipFill>
-                  <a:blip r:embed="rId10"/>
+                  <a:blip r:embed="rId11"/>
                   <a:stretch>
                     <a:fillRect/>
                   </a:stretch>
@@ -7535,8 +7596,8 @@
             </p:sp>
           </mc:Fallback>
         </mc:AlternateContent>
-        <mc:AlternateContent xmlns:mc="http://schemas.openxmlformats.org/markup-compatibility/2006">
-          <mc:Choice xmlns:a14="http://schemas.microsoft.com/office/drawing/2010/main" Requires="a14">
+        <mc:AlternateContent xmlns:mc="http://schemas.openxmlformats.org/markup-compatibility/2006" xmlns:a14="http://schemas.microsoft.com/office/drawing/2010/main">
+          <mc:Choice Requires="a14">
             <p:sp>
               <p:nvSpPr>
                 <p:cNvPr id="70" name="ZoneTexte 69">
@@ -7593,7 +7654,7 @@
               </p:txBody>
             </p:sp>
           </mc:Choice>
-          <mc:Fallback>
+          <mc:Fallback xmlns="">
             <p:sp>
               <p:nvSpPr>
                 <p:cNvPr id="70" name="ZoneTexte 69">
@@ -7638,8 +7699,8 @@
             </p:sp>
           </mc:Fallback>
         </mc:AlternateContent>
-        <mc:AlternateContent xmlns:mc="http://schemas.openxmlformats.org/markup-compatibility/2006">
-          <mc:Choice xmlns:a14="http://schemas.microsoft.com/office/drawing/2010/main" Requires="a14">
+        <mc:AlternateContent xmlns:mc="http://schemas.openxmlformats.org/markup-compatibility/2006" xmlns:a14="http://schemas.microsoft.com/office/drawing/2010/main">
+          <mc:Choice Requires="a14">
             <p:sp>
               <p:nvSpPr>
                 <p:cNvPr id="71" name="ZoneTexte 70">
@@ -7696,7 +7757,7 @@
               </p:txBody>
             </p:sp>
           </mc:Choice>
-          <mc:Fallback>
+          <mc:Fallback xmlns="">
             <p:sp>
               <p:nvSpPr>
                 <p:cNvPr id="71" name="ZoneTexte 70">
@@ -7720,7 +7781,7 @@
                   <a:avLst/>
                 </a:prstGeom>
                 <a:blipFill>
-                  <a:blip r:embed="rId11"/>
+                  <a:blip r:embed="rId12"/>
                   <a:stretch>
                     <a:fillRect/>
                   </a:stretch>
@@ -7741,8 +7802,8 @@
             </p:sp>
           </mc:Fallback>
         </mc:AlternateContent>
-        <mc:AlternateContent xmlns:mc="http://schemas.openxmlformats.org/markup-compatibility/2006">
-          <mc:Choice xmlns:a14="http://schemas.microsoft.com/office/drawing/2010/main" Requires="a14">
+        <mc:AlternateContent xmlns:mc="http://schemas.openxmlformats.org/markup-compatibility/2006" xmlns:a14="http://schemas.microsoft.com/office/drawing/2010/main">
+          <mc:Choice Requires="a14">
             <p:sp>
               <p:nvSpPr>
                 <p:cNvPr id="72" name="ZoneTexte 71">
@@ -7799,7 +7860,7 @@
               </p:txBody>
             </p:sp>
           </mc:Choice>
-          <mc:Fallback>
+          <mc:Fallback xmlns="">
             <p:sp>
               <p:nvSpPr>
                 <p:cNvPr id="72" name="ZoneTexte 71">
@@ -9165,7 +9226,7 @@
                   <a:avLst/>
                 </a:prstGeom>
                 <a:blipFill>
-                  <a:blip r:embed="rId12"/>
+                  <a:blip r:embed="rId20"/>
                   <a:stretch>
                     <a:fillRect/>
                   </a:stretch>
@@ -9533,7 +9594,7 @@
                   <a:avLst/>
                 </a:prstGeom>
                 <a:blipFill>
-                  <a:blip r:embed="rId20"/>
+                  <a:blip r:embed="rId21"/>
                   <a:stretch>
                     <a:fillRect/>
                   </a:stretch>
@@ -10201,7 +10262,7 @@
                   <a:avLst/>
                 </a:prstGeom>
                 <a:blipFill>
-                  <a:blip r:embed="rId21"/>
+                  <a:blip r:embed="rId22"/>
                   <a:stretch>
                     <a:fillRect l="-4103" t="-4505" r="-4615" b="-901"/>
                   </a:stretch>
@@ -10223,8 +10284,8 @@
           </mc:Fallback>
         </mc:AlternateContent>
       </p:grpSp>
-      <mc:AlternateContent xmlns:mc="http://schemas.openxmlformats.org/markup-compatibility/2006">
-        <mc:Choice xmlns:a14="http://schemas.microsoft.com/office/drawing/2010/main" Requires="a14">
+      <mc:AlternateContent xmlns:mc="http://schemas.openxmlformats.org/markup-compatibility/2006" xmlns:a14="http://schemas.microsoft.com/office/drawing/2010/main">
+        <mc:Choice Requires="a14">
           <p:sp>
             <p:nvSpPr>
               <p:cNvPr id="157" name="ZoneTexte 156">
@@ -10281,7 +10342,7 @@
             </p:txBody>
           </p:sp>
         </mc:Choice>
-        <mc:Fallback>
+        <mc:Fallback xmlns="">
           <p:sp>
             <p:nvSpPr>
               <p:cNvPr id="157" name="ZoneTexte 156">
@@ -10326,8 +10387,8 @@
           </p:sp>
         </mc:Fallback>
       </mc:AlternateContent>
-      <mc:AlternateContent xmlns:mc="http://schemas.openxmlformats.org/markup-compatibility/2006">
-        <mc:Choice xmlns:a14="http://schemas.microsoft.com/office/drawing/2010/main" Requires="a14">
+      <mc:AlternateContent xmlns:mc="http://schemas.openxmlformats.org/markup-compatibility/2006" xmlns:a14="http://schemas.microsoft.com/office/drawing/2010/main">
+        <mc:Choice Requires="a14">
           <p:sp>
             <p:nvSpPr>
               <p:cNvPr id="158" name="ZoneTexte 157">
@@ -10384,7 +10445,7 @@
             </p:txBody>
           </p:sp>
         </mc:Choice>
-        <mc:Fallback>
+        <mc:Fallback xmlns="">
           <p:sp>
             <p:nvSpPr>
               <p:cNvPr id="158" name="ZoneTexte 157">
@@ -10408,7 +10469,7 @@
                 <a:avLst/>
               </a:prstGeom>
               <a:blipFill>
-                <a:blip r:embed="rId11"/>
+                <a:blip r:embed="rId12"/>
                 <a:stretch>
                   <a:fillRect/>
                 </a:stretch>
@@ -10429,8 +10490,8 @@
           </p:sp>
         </mc:Fallback>
       </mc:AlternateContent>
-      <mc:AlternateContent xmlns:mc="http://schemas.openxmlformats.org/markup-compatibility/2006">
-        <mc:Choice xmlns:a14="http://schemas.microsoft.com/office/drawing/2010/main" Requires="a14">
+      <mc:AlternateContent xmlns:mc="http://schemas.openxmlformats.org/markup-compatibility/2006" xmlns:a14="http://schemas.microsoft.com/office/drawing/2010/main">
+        <mc:Choice Requires="a14">
           <p:sp>
             <p:nvSpPr>
               <p:cNvPr id="159" name="ZoneTexte 158">
@@ -10487,7 +10548,7 @@
             </p:txBody>
           </p:sp>
         </mc:Choice>
-        <mc:Fallback>
+        <mc:Fallback xmlns="">
           <p:sp>
             <p:nvSpPr>
               <p:cNvPr id="159" name="ZoneTexte 158">
@@ -10532,8 +10593,8 @@
           </p:sp>
         </mc:Fallback>
       </mc:AlternateContent>
-      <mc:AlternateContent xmlns:mc="http://schemas.openxmlformats.org/markup-compatibility/2006">
-        <mc:Choice xmlns:a14="http://schemas.microsoft.com/office/drawing/2010/main" Requires="a14">
+      <mc:AlternateContent xmlns:mc="http://schemas.openxmlformats.org/markup-compatibility/2006" xmlns:a14="http://schemas.microsoft.com/office/drawing/2010/main">
+        <mc:Choice Requires="a14">
           <p:sp>
             <p:nvSpPr>
               <p:cNvPr id="160" name="ZoneTexte 159">
@@ -10590,7 +10651,7 @@
             </p:txBody>
           </p:sp>
         </mc:Choice>
-        <mc:Fallback>
+        <mc:Fallback xmlns="">
           <p:sp>
             <p:nvSpPr>
               <p:cNvPr id="160" name="ZoneTexte 159">
@@ -10635,8 +10696,8 @@
           </p:sp>
         </mc:Fallback>
       </mc:AlternateContent>
-      <mc:AlternateContent xmlns:mc="http://schemas.openxmlformats.org/markup-compatibility/2006">
-        <mc:Choice xmlns:a14="http://schemas.microsoft.com/office/drawing/2010/main" Requires="a14">
+      <mc:AlternateContent xmlns:mc="http://schemas.openxmlformats.org/markup-compatibility/2006" xmlns:a14="http://schemas.microsoft.com/office/drawing/2010/main">
+        <mc:Choice Requires="a14">
           <p:sp>
             <p:nvSpPr>
               <p:cNvPr id="161" name="ZoneTexte 160">
@@ -10693,7 +10754,7 @@
             </p:txBody>
           </p:sp>
         </mc:Choice>
-        <mc:Fallback>
+        <mc:Fallback xmlns="">
           <p:sp>
             <p:nvSpPr>
               <p:cNvPr id="161" name="ZoneTexte 160">
@@ -10717,7 +10778,7 @@
                 <a:avLst/>
               </a:prstGeom>
               <a:blipFill>
-                <a:blip r:embed="rId11"/>
+                <a:blip r:embed="rId12"/>
                 <a:stretch>
                   <a:fillRect/>
                 </a:stretch>
@@ -10738,8 +10799,8 @@
           </p:sp>
         </mc:Fallback>
       </mc:AlternateContent>
-      <mc:AlternateContent xmlns:mc="http://schemas.openxmlformats.org/markup-compatibility/2006">
-        <mc:Choice xmlns:a14="http://schemas.microsoft.com/office/drawing/2010/main" Requires="a14">
+      <mc:AlternateContent xmlns:mc="http://schemas.openxmlformats.org/markup-compatibility/2006" xmlns:a14="http://schemas.microsoft.com/office/drawing/2010/main">
+        <mc:Choice Requires="a14">
           <p:sp>
             <p:nvSpPr>
               <p:cNvPr id="162" name="ZoneTexte 161">
@@ -10796,7 +10857,7 @@
             </p:txBody>
           </p:sp>
         </mc:Choice>
-        <mc:Fallback>
+        <mc:Fallback xmlns="">
           <p:sp>
             <p:nvSpPr>
               <p:cNvPr id="162" name="ZoneTexte 161">
@@ -11445,7 +11506,7 @@
                     <a:avLst/>
                   </a:prstGeom>
                   <a:blipFill>
-                    <a:blip r:embed="rId22"/>
+                    <a:blip r:embed="rId23"/>
                     <a:stretch>
                       <a:fillRect l="-1643" t="-4505" r="-1437" b="-901"/>
                     </a:stretch>
@@ -12123,8 +12184,8 @@
             </p:style>
           </p:cxnSp>
         </p:grpSp>
-        <mc:AlternateContent xmlns:mc="http://schemas.openxmlformats.org/markup-compatibility/2006">
-          <mc:Choice xmlns:a14="http://schemas.microsoft.com/office/drawing/2010/main" Requires="a14">
+        <mc:AlternateContent xmlns:mc="http://schemas.openxmlformats.org/markup-compatibility/2006" xmlns:a14="http://schemas.microsoft.com/office/drawing/2010/main">
+          <mc:Choice Requires="a14">
             <p:sp>
               <p:nvSpPr>
                 <p:cNvPr id="163" name="ZoneTexte 162">
@@ -12181,7 +12242,7 @@
               </p:txBody>
             </p:sp>
           </mc:Choice>
-          <mc:Fallback>
+          <mc:Fallback xmlns="">
             <p:sp>
               <p:nvSpPr>
                 <p:cNvPr id="163" name="ZoneTexte 162">
@@ -12226,8 +12287,8 @@
             </p:sp>
           </mc:Fallback>
         </mc:AlternateContent>
-        <mc:AlternateContent xmlns:mc="http://schemas.openxmlformats.org/markup-compatibility/2006">
-          <mc:Choice xmlns:a14="http://schemas.microsoft.com/office/drawing/2010/main" Requires="a14">
+        <mc:AlternateContent xmlns:mc="http://schemas.openxmlformats.org/markup-compatibility/2006" xmlns:a14="http://schemas.microsoft.com/office/drawing/2010/main">
+          <mc:Choice Requires="a14">
             <p:sp>
               <p:nvSpPr>
                 <p:cNvPr id="164" name="ZoneTexte 163">
@@ -12284,7 +12345,7 @@
               </p:txBody>
             </p:sp>
           </mc:Choice>
-          <mc:Fallback>
+          <mc:Fallback xmlns="">
             <p:sp>
               <p:nvSpPr>
                 <p:cNvPr id="164" name="ZoneTexte 163">
@@ -12329,8 +12390,8 @@
             </p:sp>
           </mc:Fallback>
         </mc:AlternateContent>
-        <mc:AlternateContent xmlns:mc="http://schemas.openxmlformats.org/markup-compatibility/2006">
-          <mc:Choice xmlns:a14="http://schemas.microsoft.com/office/drawing/2010/main" Requires="a14">
+        <mc:AlternateContent xmlns:mc="http://schemas.openxmlformats.org/markup-compatibility/2006" xmlns:a14="http://schemas.microsoft.com/office/drawing/2010/main">
+          <mc:Choice Requires="a14">
             <p:sp>
               <p:nvSpPr>
                 <p:cNvPr id="165" name="ZoneTexte 164">
@@ -12387,7 +12448,7 @@
               </p:txBody>
             </p:sp>
           </mc:Choice>
-          <mc:Fallback>
+          <mc:Fallback xmlns="">
             <p:sp>
               <p:nvSpPr>
                 <p:cNvPr id="165" name="ZoneTexte 164">
@@ -12411,7 +12472,7 @@
                   <a:avLst/>
                 </a:prstGeom>
                 <a:blipFill>
-                  <a:blip r:embed="rId11"/>
+                  <a:blip r:embed="rId12"/>
                   <a:stretch>
                     <a:fillRect/>
                   </a:stretch>
@@ -12432,8 +12493,8 @@
             </p:sp>
           </mc:Fallback>
         </mc:AlternateContent>
-        <mc:AlternateContent xmlns:mc="http://schemas.openxmlformats.org/markup-compatibility/2006">
-          <mc:Choice xmlns:a14="http://schemas.microsoft.com/office/drawing/2010/main" Requires="a14">
+        <mc:AlternateContent xmlns:mc="http://schemas.openxmlformats.org/markup-compatibility/2006" xmlns:a14="http://schemas.microsoft.com/office/drawing/2010/main">
+          <mc:Choice Requires="a14">
             <p:sp>
               <p:nvSpPr>
                 <p:cNvPr id="166" name="ZoneTexte 165">
@@ -12490,7 +12551,7 @@
               </p:txBody>
             </p:sp>
           </mc:Choice>
-          <mc:Fallback>
+          <mc:Fallback xmlns="">
             <p:sp>
               <p:nvSpPr>
                 <p:cNvPr id="166" name="ZoneTexte 165">
@@ -12535,8 +12596,8 @@
             </p:sp>
           </mc:Fallback>
         </mc:AlternateContent>
-        <mc:AlternateContent xmlns:mc="http://schemas.openxmlformats.org/markup-compatibility/2006">
-          <mc:Choice xmlns:a14="http://schemas.microsoft.com/office/drawing/2010/main" Requires="a14">
+        <mc:AlternateContent xmlns:mc="http://schemas.openxmlformats.org/markup-compatibility/2006" xmlns:a14="http://schemas.microsoft.com/office/drawing/2010/main">
+          <mc:Choice Requires="a14">
             <p:sp>
               <p:nvSpPr>
                 <p:cNvPr id="167" name="ZoneTexte 166">
@@ -12593,7 +12654,7 @@
               </p:txBody>
             </p:sp>
           </mc:Choice>
-          <mc:Fallback>
+          <mc:Fallback xmlns="">
             <p:sp>
               <p:nvSpPr>
                 <p:cNvPr id="167" name="ZoneTexte 166">
@@ -12976,9 +13037,9 @@
           <p:nvPr/>
         </p:nvSpPr>
         <p:spPr>
-          <a:xfrm>
-            <a:off x="38076" y="4536526"/>
-            <a:ext cx="248786" cy="369332"/>
+          <a:xfrm rot="16200000">
+            <a:off x="-386191" y="4532993"/>
+            <a:ext cx="954107" cy="369332"/>
           </a:xfrm>
           <a:prstGeom prst="rect">
             <a:avLst/>
@@ -12992,7 +13053,7 @@
           <a:lstStyle/>
           <a:p>
             <a:r>
-              <a:rPr lang="fr-FR" i="1" dirty="0">
+              <a:rPr lang="fr-FR" dirty="0" err="1">
                 <a:solidFill>
                   <a:schemeClr val="tx1">
                     <a:lumMod val="50000"/>
@@ -13000,50 +13061,16 @@
                   </a:schemeClr>
                 </a:solidFill>
               </a:rPr>
-              <a:t>t</a:t>
+              <a:t>present</a:t>
             </a:r>
-          </a:p>
-        </p:txBody>
-      </p:sp>
-      <p:sp>
-        <p:nvSpPr>
-          <p:cNvPr id="182" name="ZoneTexte 181">
-            <a:extLst>
-              <a:ext uri="{FF2B5EF4-FFF2-40B4-BE49-F238E27FC236}">
-                <a16:creationId xmlns:a16="http://schemas.microsoft.com/office/drawing/2014/main" id="{89095BA0-E81E-42D8-8213-BE2D9BFAE794}"/>
-              </a:ext>
-            </a:extLst>
-          </p:cNvPr>
-          <p:cNvSpPr txBox="1"/>
-          <p:nvPr/>
-        </p:nvSpPr>
-        <p:spPr>
-          <a:xfrm>
-            <a:off x="757" y="2835467"/>
-            <a:ext cx="312906" cy="369332"/>
-          </a:xfrm>
-          <a:prstGeom prst="rect">
-            <a:avLst/>
-          </a:prstGeom>
-          <a:noFill/>
-        </p:spPr>
-        <p:txBody>
-          <a:bodyPr wrap="none" rtlCol="0">
-            <a:spAutoFit/>
-          </a:bodyPr>
-          <a:lstStyle/>
-          <a:p>
-            <a:r>
-              <a:rPr lang="fr-FR" dirty="0">
-                <a:solidFill>
-                  <a:schemeClr val="tx1">
-                    <a:lumMod val="50000"/>
-                    <a:lumOff val="50000"/>
-                  </a:schemeClr>
-                </a:solidFill>
-              </a:rPr>
-              <a:t>0</a:t>
-            </a:r>
+            <a:endParaRPr lang="fr-FR" dirty="0">
+              <a:solidFill>
+                <a:schemeClr val="tx1">
+                  <a:lumMod val="50000"/>
+                  <a:lumOff val="50000"/>
+                </a:schemeClr>
+              </a:solidFill>
+            </a:endParaRPr>
           </a:p>
         </p:txBody>
       </p:sp>
@@ -13056,13 +13083,15 @@
               </a:ext>
             </a:extLst>
           </p:cNvPr>
-          <p:cNvCxnSpPr/>
+          <p:cNvCxnSpPr>
+            <a:cxnSpLocks/>
+          </p:cNvCxnSpPr>
           <p:nvPr/>
         </p:nvCxnSpPr>
         <p:spPr>
-          <a:xfrm>
-            <a:off x="333799" y="2789257"/>
-            <a:ext cx="0" cy="2427461"/>
+          <a:xfrm flipH="1">
+            <a:off x="355159" y="3028106"/>
+            <a:ext cx="0" cy="1640367"/>
           </a:xfrm>
           <a:prstGeom prst="straightConnector1">
             <a:avLst/>
@@ -13075,7 +13104,7 @@
               </a:schemeClr>
             </a:solidFill>
             <a:prstDash val="solid"/>
-            <a:headEnd type="none" w="med" len="med"/>
+            <a:headEnd type="arrow" w="med" len="med"/>
             <a:tailEnd type="arrow" w="med" len="med"/>
           </a:ln>
         </p:spPr>
@@ -13171,179 +13200,6 @@
               </a:schemeClr>
             </a:solidFill>
             <a:prstDash val="lgDash"/>
-          </a:ln>
-        </p:spPr>
-        <p:style>
-          <a:lnRef idx="1">
-            <a:schemeClr val="accent1"/>
-          </a:lnRef>
-          <a:fillRef idx="0">
-            <a:schemeClr val="accent1"/>
-          </a:fillRef>
-          <a:effectRef idx="0">
-            <a:schemeClr val="accent1"/>
-          </a:effectRef>
-          <a:fontRef idx="minor">
-            <a:schemeClr val="tx1"/>
-          </a:fontRef>
-        </p:style>
-      </p:cxnSp>
-      <p:sp>
-        <p:nvSpPr>
-          <p:cNvPr id="186" name="ZoneTexte 185">
-            <a:extLst>
-              <a:ext uri="{FF2B5EF4-FFF2-40B4-BE49-F238E27FC236}">
-                <a16:creationId xmlns:a16="http://schemas.microsoft.com/office/drawing/2014/main" id="{77717EBB-A20E-440F-ABAF-B68ECB5A5806}"/>
-              </a:ext>
-            </a:extLst>
-          </p:cNvPr>
-          <p:cNvSpPr txBox="1"/>
-          <p:nvPr/>
-        </p:nvSpPr>
-        <p:spPr>
-          <a:xfrm rot="16200000">
-            <a:off x="-139849" y="7262493"/>
-            <a:ext cx="620683" cy="369332"/>
-          </a:xfrm>
-          <a:prstGeom prst="rect">
-            <a:avLst/>
-          </a:prstGeom>
-          <a:noFill/>
-        </p:spPr>
-        <p:txBody>
-          <a:bodyPr wrap="none" rtlCol="0">
-            <a:spAutoFit/>
-          </a:bodyPr>
-          <a:lstStyle/>
-          <a:p>
-            <a:r>
-              <a:rPr lang="fr-FR" dirty="0">
-                <a:solidFill>
-                  <a:schemeClr val="tx1">
-                    <a:lumMod val="50000"/>
-                    <a:lumOff val="50000"/>
-                  </a:schemeClr>
-                </a:solidFill>
-              </a:rPr>
-              <a:t>time</a:t>
-            </a:r>
-          </a:p>
-        </p:txBody>
-      </p:sp>
-      <p:sp>
-        <p:nvSpPr>
-          <p:cNvPr id="187" name="ZoneTexte 186">
-            <a:extLst>
-              <a:ext uri="{FF2B5EF4-FFF2-40B4-BE49-F238E27FC236}">
-                <a16:creationId xmlns:a16="http://schemas.microsoft.com/office/drawing/2014/main" id="{040595CC-8C2C-461A-8299-37C6793DEEBD}"/>
-              </a:ext>
-            </a:extLst>
-          </p:cNvPr>
-          <p:cNvSpPr txBox="1"/>
-          <p:nvPr/>
-        </p:nvSpPr>
-        <p:spPr>
-          <a:xfrm>
-            <a:off x="37351" y="8113019"/>
-            <a:ext cx="248786" cy="369332"/>
-          </a:xfrm>
-          <a:prstGeom prst="rect">
-            <a:avLst/>
-          </a:prstGeom>
-          <a:noFill/>
-        </p:spPr>
-        <p:txBody>
-          <a:bodyPr wrap="none" rtlCol="0">
-            <a:spAutoFit/>
-          </a:bodyPr>
-          <a:lstStyle/>
-          <a:p>
-            <a:r>
-              <a:rPr lang="fr-FR" i="1" dirty="0">
-                <a:solidFill>
-                  <a:schemeClr val="tx1">
-                    <a:lumMod val="50000"/>
-                    <a:lumOff val="50000"/>
-                  </a:schemeClr>
-                </a:solidFill>
-              </a:rPr>
-              <a:t>t</a:t>
-            </a:r>
-          </a:p>
-        </p:txBody>
-      </p:sp>
-      <p:sp>
-        <p:nvSpPr>
-          <p:cNvPr id="188" name="ZoneTexte 187">
-            <a:extLst>
-              <a:ext uri="{FF2B5EF4-FFF2-40B4-BE49-F238E27FC236}">
-                <a16:creationId xmlns:a16="http://schemas.microsoft.com/office/drawing/2014/main" id="{3F4A6D1A-9EC7-4918-8029-2C7200979B52}"/>
-              </a:ext>
-            </a:extLst>
-          </p:cNvPr>
-          <p:cNvSpPr txBox="1"/>
-          <p:nvPr/>
-        </p:nvSpPr>
-        <p:spPr>
-          <a:xfrm>
-            <a:off x="32" y="6411960"/>
-            <a:ext cx="312906" cy="369332"/>
-          </a:xfrm>
-          <a:prstGeom prst="rect">
-            <a:avLst/>
-          </a:prstGeom>
-          <a:noFill/>
-        </p:spPr>
-        <p:txBody>
-          <a:bodyPr wrap="none" rtlCol="0">
-            <a:spAutoFit/>
-          </a:bodyPr>
-          <a:lstStyle/>
-          <a:p>
-            <a:r>
-              <a:rPr lang="fr-FR" dirty="0">
-                <a:solidFill>
-                  <a:schemeClr val="tx1">
-                    <a:lumMod val="50000"/>
-                    <a:lumOff val="50000"/>
-                  </a:schemeClr>
-                </a:solidFill>
-              </a:rPr>
-              <a:t>0</a:t>
-            </a:r>
-          </a:p>
-        </p:txBody>
-      </p:sp>
-      <p:cxnSp>
-        <p:nvCxnSpPr>
-          <p:cNvPr id="189" name="Connecteur droit avec flèche 188">
-            <a:extLst>
-              <a:ext uri="{FF2B5EF4-FFF2-40B4-BE49-F238E27FC236}">
-                <a16:creationId xmlns:a16="http://schemas.microsoft.com/office/drawing/2014/main" id="{5AA1C427-91C3-40F5-8C7A-0FEBC192EA98}"/>
-              </a:ext>
-            </a:extLst>
-          </p:cNvPr>
-          <p:cNvCxnSpPr/>
-          <p:nvPr/>
-        </p:nvCxnSpPr>
-        <p:spPr>
-          <a:xfrm>
-            <a:off x="333074" y="6365750"/>
-            <a:ext cx="0" cy="2427461"/>
-          </a:xfrm>
-          <a:prstGeom prst="straightConnector1">
-            <a:avLst/>
-          </a:prstGeom>
-          <a:ln w="12700">
-            <a:solidFill>
-              <a:schemeClr val="tx1">
-                <a:lumMod val="50000"/>
-                <a:lumOff val="50000"/>
-              </a:schemeClr>
-            </a:solidFill>
-            <a:prstDash val="solid"/>
-            <a:headEnd type="none" w="med" len="med"/>
-            <a:tailEnd type="arrow" w="med" len="med"/>
           </a:ln>
         </p:spPr>
         <p:style>
@@ -13568,8 +13424,8 @@
           </a:fontRef>
         </p:style>
       </p:cxnSp>
-      <mc:AlternateContent xmlns:mc="http://schemas.openxmlformats.org/markup-compatibility/2006">
-        <mc:Choice xmlns:a14="http://schemas.microsoft.com/office/drawing/2010/main" Requires="a14">
+      <mc:AlternateContent xmlns:mc="http://schemas.openxmlformats.org/markup-compatibility/2006" xmlns:a14="http://schemas.microsoft.com/office/drawing/2010/main">
+        <mc:Choice Requires="a14">
           <p:sp>
             <p:nvSpPr>
               <p:cNvPr id="215" name="ZoneTexte 214">
@@ -13619,7 +13475,7 @@
             </p:txBody>
           </p:sp>
         </mc:Choice>
-        <mc:Fallback>
+        <mc:Fallback xmlns="">
           <p:sp>
             <p:nvSpPr>
               <p:cNvPr id="215" name="ZoneTexte 214">
@@ -13643,7 +13499,7 @@
                 <a:avLst/>
               </a:prstGeom>
               <a:blipFill>
-                <a:blip r:embed="rId23"/>
+                <a:blip r:embed="rId24"/>
                 <a:stretch>
                   <a:fillRect l="-4225"/>
                 </a:stretch>
@@ -13703,8 +13559,8 @@
           </a:fontRef>
         </p:style>
       </p:cxnSp>
-      <mc:AlternateContent xmlns:mc="http://schemas.openxmlformats.org/markup-compatibility/2006">
-        <mc:Choice xmlns:a14="http://schemas.microsoft.com/office/drawing/2010/main" Requires="a14">
+      <mc:AlternateContent xmlns:mc="http://schemas.openxmlformats.org/markup-compatibility/2006" xmlns:a14="http://schemas.microsoft.com/office/drawing/2010/main">
+        <mc:Choice Requires="a14">
           <p:sp>
             <p:nvSpPr>
               <p:cNvPr id="217" name="ZoneTexte 216">
@@ -13754,7 +13610,7 @@
             </p:txBody>
           </p:sp>
         </mc:Choice>
-        <mc:Fallback>
+        <mc:Fallback xmlns="">
           <p:sp>
             <p:nvSpPr>
               <p:cNvPr id="217" name="ZoneTexte 216">
@@ -13778,7 +13634,7 @@
                 <a:avLst/>
               </a:prstGeom>
               <a:blipFill>
-                <a:blip r:embed="rId24"/>
+                <a:blip r:embed="rId25"/>
                 <a:stretch>
                   <a:fillRect/>
                 </a:stretch>
@@ -13799,8 +13655,8 @@
           </p:sp>
         </mc:Fallback>
       </mc:AlternateContent>
-      <mc:AlternateContent xmlns:mc="http://schemas.openxmlformats.org/markup-compatibility/2006">
-        <mc:Choice xmlns:a14="http://schemas.microsoft.com/office/drawing/2010/main" Requires="a14">
+      <mc:AlternateContent xmlns:mc="http://schemas.openxmlformats.org/markup-compatibility/2006" xmlns:a14="http://schemas.microsoft.com/office/drawing/2010/main">
+        <mc:Choice Requires="a14">
           <p:sp>
             <p:nvSpPr>
               <p:cNvPr id="218" name="ZoneTexte 217">
@@ -13850,7 +13706,7 @@
             </p:txBody>
           </p:sp>
         </mc:Choice>
-        <mc:Fallback>
+        <mc:Fallback xmlns="">
           <p:sp>
             <p:nvSpPr>
               <p:cNvPr id="218" name="ZoneTexte 217">
@@ -13874,7 +13730,7 @@
                 <a:avLst/>
               </a:prstGeom>
               <a:blipFill>
-                <a:blip r:embed="rId25"/>
+                <a:blip r:embed="rId26"/>
                 <a:stretch>
                   <a:fillRect l="-2740" b="-10526"/>
                 </a:stretch>
@@ -14666,8 +14522,8 @@
           </a:fontRef>
         </p:style>
       </p:cxnSp>
-      <mc:AlternateContent xmlns:mc="http://schemas.openxmlformats.org/markup-compatibility/2006">
-        <mc:Choice xmlns:a14="http://schemas.microsoft.com/office/drawing/2010/main" Requires="a14">
+      <mc:AlternateContent xmlns:mc="http://schemas.openxmlformats.org/markup-compatibility/2006" xmlns:a14="http://schemas.microsoft.com/office/drawing/2010/main">
+        <mc:Choice Requires="a14">
           <p:sp>
             <p:nvSpPr>
               <p:cNvPr id="243" name="ZoneTexte 242">
@@ -14724,7 +14580,7 @@
             </p:txBody>
           </p:sp>
         </mc:Choice>
-        <mc:Fallback>
+        <mc:Fallback xmlns="">
           <p:sp>
             <p:nvSpPr>
               <p:cNvPr id="243" name="ZoneTexte 242">
@@ -14748,7 +14604,7 @@
                 <a:avLst/>
               </a:prstGeom>
               <a:blipFill>
-                <a:blip r:embed="rId26"/>
+                <a:blip r:embed="rId27"/>
                 <a:stretch>
                   <a:fillRect/>
                 </a:stretch>
@@ -14810,8 +14666,8 @@
           </a:fontRef>
         </p:style>
       </p:cxnSp>
-      <mc:AlternateContent xmlns:mc="http://schemas.openxmlformats.org/markup-compatibility/2006">
-        <mc:Choice xmlns:a14="http://schemas.microsoft.com/office/drawing/2010/main" Requires="a14">
+      <mc:AlternateContent xmlns:mc="http://schemas.openxmlformats.org/markup-compatibility/2006" xmlns:a14="http://schemas.microsoft.com/office/drawing/2010/main">
+        <mc:Choice Requires="a14">
           <p:sp>
             <p:nvSpPr>
               <p:cNvPr id="245" name="ZoneTexte 244">
@@ -14868,7 +14724,7 @@
             </p:txBody>
           </p:sp>
         </mc:Choice>
-        <mc:Fallback>
+        <mc:Fallback xmlns="">
           <p:sp>
             <p:nvSpPr>
               <p:cNvPr id="245" name="ZoneTexte 244">
@@ -14892,7 +14748,7 @@
                 <a:avLst/>
               </a:prstGeom>
               <a:blipFill>
-                <a:blip r:embed="rId27"/>
+                <a:blip r:embed="rId28"/>
                 <a:stretch>
                   <a:fillRect/>
                 </a:stretch>
@@ -14913,8 +14769,8 @@
           </p:sp>
         </mc:Fallback>
       </mc:AlternateContent>
-      <mc:AlternateContent xmlns:mc="http://schemas.openxmlformats.org/markup-compatibility/2006">
-        <mc:Choice xmlns:a14="http://schemas.microsoft.com/office/drawing/2010/main" Requires="a14">
+      <mc:AlternateContent xmlns:mc="http://schemas.openxmlformats.org/markup-compatibility/2006" xmlns:a14="http://schemas.microsoft.com/office/drawing/2010/main">
+        <mc:Choice Requires="a14">
           <p:sp>
             <p:nvSpPr>
               <p:cNvPr id="254" name="ZoneTexte 253">
@@ -14983,7 +14839,7 @@
             </p:txBody>
           </p:sp>
         </mc:Choice>
-        <mc:Fallback>
+        <mc:Fallback xmlns="">
           <p:sp>
             <p:nvSpPr>
               <p:cNvPr id="254" name="ZoneTexte 253">
@@ -15007,7 +14863,7 @@
                 <a:avLst/>
               </a:prstGeom>
               <a:blipFill>
-                <a:blip r:embed="rId28"/>
+                <a:blip r:embed="rId29"/>
                 <a:stretch>
                   <a:fillRect b="-3947"/>
                 </a:stretch>
@@ -15028,8 +14884,8 @@
           </p:sp>
         </mc:Fallback>
       </mc:AlternateContent>
-      <mc:AlternateContent xmlns:mc="http://schemas.openxmlformats.org/markup-compatibility/2006">
-        <mc:Choice xmlns:a14="http://schemas.microsoft.com/office/drawing/2010/main" Requires="a14">
+      <mc:AlternateContent xmlns:mc="http://schemas.openxmlformats.org/markup-compatibility/2006" xmlns:a14="http://schemas.microsoft.com/office/drawing/2010/main">
+        <mc:Choice Requires="a14">
           <p:sp>
             <p:nvSpPr>
               <p:cNvPr id="255" name="ZoneTexte 254">
@@ -15098,7 +14954,7 @@
             </p:txBody>
           </p:sp>
         </mc:Choice>
-        <mc:Fallback>
+        <mc:Fallback xmlns="">
           <p:sp>
             <p:nvSpPr>
               <p:cNvPr id="255" name="ZoneTexte 254">
@@ -15122,7 +14978,7 @@
                 <a:avLst/>
               </a:prstGeom>
               <a:blipFill>
-                <a:blip r:embed="rId29"/>
+                <a:blip r:embed="rId30"/>
                 <a:stretch>
                   <a:fillRect l="-20000" b="-3947"/>
                 </a:stretch>
@@ -15143,8 +14999,8 @@
           </p:sp>
         </mc:Fallback>
       </mc:AlternateContent>
-      <mc:AlternateContent xmlns:mc="http://schemas.openxmlformats.org/markup-compatibility/2006">
-        <mc:Choice xmlns:a14="http://schemas.microsoft.com/office/drawing/2010/main" Requires="a14">
+      <mc:AlternateContent xmlns:mc="http://schemas.openxmlformats.org/markup-compatibility/2006" xmlns:a14="http://schemas.microsoft.com/office/drawing/2010/main">
+        <mc:Choice Requires="a14">
           <p:sp>
             <p:nvSpPr>
               <p:cNvPr id="256" name="ZoneTexte 255">
@@ -15213,7 +15069,7 @@
             </p:txBody>
           </p:sp>
         </mc:Choice>
-        <mc:Fallback>
+        <mc:Fallback xmlns="">
           <p:sp>
             <p:nvSpPr>
               <p:cNvPr id="256" name="ZoneTexte 255">
@@ -15237,7 +15093,7 @@
                 <a:avLst/>
               </a:prstGeom>
               <a:blipFill>
-                <a:blip r:embed="rId30"/>
+                <a:blip r:embed="rId31"/>
                 <a:stretch>
                   <a:fillRect l="-21739" b="-3947"/>
                 </a:stretch>
@@ -15258,8 +15114,8 @@
           </p:sp>
         </mc:Fallback>
       </mc:AlternateContent>
-      <mc:AlternateContent xmlns:mc="http://schemas.openxmlformats.org/markup-compatibility/2006">
-        <mc:Choice xmlns:a14="http://schemas.microsoft.com/office/drawing/2010/main" Requires="a14">
+      <mc:AlternateContent xmlns:mc="http://schemas.openxmlformats.org/markup-compatibility/2006" xmlns:a14="http://schemas.microsoft.com/office/drawing/2010/main">
+        <mc:Choice Requires="a14">
           <p:sp>
             <p:nvSpPr>
               <p:cNvPr id="257" name="ZoneTexte 256">
@@ -15328,7 +15184,7 @@
             </p:txBody>
           </p:sp>
         </mc:Choice>
-        <mc:Fallback>
+        <mc:Fallback xmlns="">
           <p:sp>
             <p:nvSpPr>
               <p:cNvPr id="257" name="ZoneTexte 256">
@@ -15352,7 +15208,7 @@
                 <a:avLst/>
               </a:prstGeom>
               <a:blipFill>
-                <a:blip r:embed="rId31"/>
+                <a:blip r:embed="rId32"/>
                 <a:stretch>
                   <a:fillRect l="-20000" b="-10526"/>
                 </a:stretch>
@@ -15373,8 +15229,8 @@
           </p:sp>
         </mc:Fallback>
       </mc:AlternateContent>
-      <mc:AlternateContent xmlns:mc="http://schemas.openxmlformats.org/markup-compatibility/2006">
-        <mc:Choice xmlns:a14="http://schemas.microsoft.com/office/drawing/2010/main" Requires="a14">
+      <mc:AlternateContent xmlns:mc="http://schemas.openxmlformats.org/markup-compatibility/2006" xmlns:a14="http://schemas.microsoft.com/office/drawing/2010/main">
+        <mc:Choice Requires="a14">
           <p:sp>
             <p:nvSpPr>
               <p:cNvPr id="258" name="ZoneTexte 257">
@@ -15443,7 +15299,7 @@
             </p:txBody>
           </p:sp>
         </mc:Choice>
-        <mc:Fallback>
+        <mc:Fallback xmlns="">
           <p:sp>
             <p:nvSpPr>
               <p:cNvPr id="258" name="ZoneTexte 257">
@@ -15467,7 +15323,7 @@
                 <a:avLst/>
               </a:prstGeom>
               <a:blipFill>
-                <a:blip r:embed="rId32"/>
+                <a:blip r:embed="rId33"/>
                 <a:stretch>
                   <a:fillRect l="-21429" b="-10526"/>
                 </a:stretch>
@@ -15623,8 +15479,8 @@
               </a:fontRef>
             </p:style>
           </p:cxnSp>
-          <mc:AlternateContent xmlns:mc="http://schemas.openxmlformats.org/markup-compatibility/2006">
-            <mc:Choice xmlns:a14="http://schemas.microsoft.com/office/drawing/2010/main" Requires="a14">
+          <mc:AlternateContent xmlns:mc="http://schemas.openxmlformats.org/markup-compatibility/2006" xmlns:a14="http://schemas.microsoft.com/office/drawing/2010/main">
+            <mc:Choice Requires="a14">
               <p:sp>
                 <p:nvSpPr>
                   <p:cNvPr id="93" name="ZoneTexte 92">
@@ -15984,7 +15840,7 @@
                 </p:txBody>
               </p:sp>
             </mc:Choice>
-            <mc:Fallback>
+            <mc:Fallback xmlns="">
               <p:sp>
                 <p:nvSpPr>
                   <p:cNvPr id="93" name="ZoneTexte 92">
@@ -16008,7 +15864,7 @@
                     <a:avLst/>
                   </a:prstGeom>
                   <a:blipFill>
-                    <a:blip r:embed="rId33"/>
+                    <a:blip r:embed="rId34"/>
                     <a:stretch>
                       <a:fillRect l="-512" b="-2190"/>
                     </a:stretch>
@@ -16230,8 +16086,8 @@
               </a:p>
             </p:txBody>
           </p:sp>
-          <mc:AlternateContent xmlns:mc="http://schemas.openxmlformats.org/markup-compatibility/2006">
-            <mc:Choice xmlns:a14="http://schemas.microsoft.com/office/drawing/2010/main" Requires="a14">
+          <mc:AlternateContent xmlns:mc="http://schemas.openxmlformats.org/markup-compatibility/2006" xmlns:a14="http://schemas.microsoft.com/office/drawing/2010/main">
+            <mc:Choice Requires="a14">
               <p:sp>
                 <p:nvSpPr>
                   <p:cNvPr id="251" name="ZoneTexte 250">
@@ -16288,7 +16144,7 @@
                 </p:txBody>
               </p:sp>
             </mc:Choice>
-            <mc:Fallback>
+            <mc:Fallback xmlns="">
               <p:sp>
                 <p:nvSpPr>
                   <p:cNvPr id="251" name="ZoneTexte 250">
@@ -16312,7 +16168,7 @@
                     <a:avLst/>
                   </a:prstGeom>
                   <a:blipFill>
-                    <a:blip r:embed="rId34"/>
+                    <a:blip r:embed="rId35"/>
                     <a:stretch>
                       <a:fillRect/>
                     </a:stretch>
@@ -16333,8 +16189,8 @@
               </p:sp>
             </mc:Fallback>
           </mc:AlternateContent>
-          <mc:AlternateContent xmlns:mc="http://schemas.openxmlformats.org/markup-compatibility/2006">
-            <mc:Choice xmlns:a14="http://schemas.microsoft.com/office/drawing/2010/main" Requires="a14">
+          <mc:AlternateContent xmlns:mc="http://schemas.openxmlformats.org/markup-compatibility/2006" xmlns:a14="http://schemas.microsoft.com/office/drawing/2010/main">
+            <mc:Choice Requires="a14">
               <p:sp>
                 <p:nvSpPr>
                   <p:cNvPr id="252" name="ZoneTexte 251">
@@ -16391,7 +16247,7 @@
                 </p:txBody>
               </p:sp>
             </mc:Choice>
-            <mc:Fallback>
+            <mc:Fallback xmlns="">
               <p:sp>
                 <p:nvSpPr>
                   <p:cNvPr id="252" name="ZoneTexte 251">
@@ -16415,7 +16271,7 @@
                     <a:avLst/>
                   </a:prstGeom>
                   <a:blipFill>
-                    <a:blip r:embed="rId35"/>
+                    <a:blip r:embed="rId36"/>
                     <a:stretch>
                       <a:fillRect/>
                     </a:stretch>
@@ -16437,8 +16293,8 @@
             </mc:Fallback>
           </mc:AlternateContent>
         </p:grpSp>
-        <mc:AlternateContent xmlns:mc="http://schemas.openxmlformats.org/markup-compatibility/2006">
-          <mc:Choice xmlns:a14="http://schemas.microsoft.com/office/drawing/2010/main" Requires="a14">
+        <mc:AlternateContent xmlns:mc="http://schemas.openxmlformats.org/markup-compatibility/2006" xmlns:a14="http://schemas.microsoft.com/office/drawing/2010/main">
+          <mc:Choice Requires="a14">
             <p:sp>
               <p:nvSpPr>
                 <p:cNvPr id="264" name="ZoneTexte 263">
@@ -16635,7 +16491,7 @@
               </p:txBody>
             </p:sp>
           </mc:Choice>
-          <mc:Fallback>
+          <mc:Fallback xmlns="">
             <p:sp>
               <p:nvSpPr>
                 <p:cNvPr id="264" name="ZoneTexte 263">
@@ -16659,7 +16515,7 @@
                   <a:avLst/>
                 </a:prstGeom>
                 <a:blipFill>
-                  <a:blip r:embed="rId36"/>
+                  <a:blip r:embed="rId37"/>
                   <a:stretch>
                     <a:fillRect b="-9195"/>
                   </a:stretch>
@@ -16681,6 +16537,193 @@
           </mc:Fallback>
         </mc:AlternateContent>
       </p:grpSp>
+      <p:sp>
+        <p:nvSpPr>
+          <p:cNvPr id="4" name="ZoneTexte 3">
+            <a:extLst>
+              <a:ext uri="{FF2B5EF4-FFF2-40B4-BE49-F238E27FC236}">
+                <a16:creationId xmlns:a16="http://schemas.microsoft.com/office/drawing/2014/main" id="{D6A95AF1-5260-4B9C-8BC1-4BDC12956D4C}"/>
+              </a:ext>
+            </a:extLst>
+          </p:cNvPr>
+          <p:cNvSpPr txBox="1"/>
+          <p:nvPr/>
+        </p:nvSpPr>
+        <p:spPr>
+          <a:xfrm>
+            <a:off x="212071" y="3657262"/>
+            <a:ext cx="248786" cy="369332"/>
+          </a:xfrm>
+          <a:prstGeom prst="rect">
+            <a:avLst/>
+          </a:prstGeom>
+          <a:solidFill>
+            <a:schemeClr val="bg1"/>
+          </a:solidFill>
+        </p:spPr>
+        <p:txBody>
+          <a:bodyPr wrap="none" rtlCol="0">
+            <a:spAutoFit/>
+          </a:bodyPr>
+          <a:lstStyle/>
+          <a:p>
+            <a:r>
+              <a:rPr lang="fr-FR" i="1" dirty="0">
+                <a:solidFill>
+                  <a:schemeClr val="tx1">
+                    <a:lumMod val="50000"/>
+                    <a:lumOff val="50000"/>
+                  </a:schemeClr>
+                </a:solidFill>
+              </a:rPr>
+              <a:t>t</a:t>
+            </a:r>
+          </a:p>
+        </p:txBody>
+      </p:sp>
+      <p:sp>
+        <p:nvSpPr>
+          <p:cNvPr id="228" name="ZoneTexte 227">
+            <a:extLst>
+              <a:ext uri="{FF2B5EF4-FFF2-40B4-BE49-F238E27FC236}">
+                <a16:creationId xmlns:a16="http://schemas.microsoft.com/office/drawing/2014/main" id="{A4941EEE-425D-474C-9E61-2443C772D9EA}"/>
+              </a:ext>
+            </a:extLst>
+          </p:cNvPr>
+          <p:cNvSpPr txBox="1"/>
+          <p:nvPr/>
+        </p:nvSpPr>
+        <p:spPr>
+          <a:xfrm rot="16200000">
+            <a:off x="-385553" y="8123051"/>
+            <a:ext cx="954107" cy="369332"/>
+          </a:xfrm>
+          <a:prstGeom prst="rect">
+            <a:avLst/>
+          </a:prstGeom>
+          <a:noFill/>
+        </p:spPr>
+        <p:txBody>
+          <a:bodyPr wrap="none" rtlCol="0">
+            <a:spAutoFit/>
+          </a:bodyPr>
+          <a:lstStyle/>
+          <a:p>
+            <a:r>
+              <a:rPr lang="fr-FR" dirty="0" err="1">
+                <a:solidFill>
+                  <a:schemeClr val="tx1">
+                    <a:lumMod val="50000"/>
+                    <a:lumOff val="50000"/>
+                  </a:schemeClr>
+                </a:solidFill>
+              </a:rPr>
+              <a:t>present</a:t>
+            </a:r>
+            <a:endParaRPr lang="fr-FR" dirty="0">
+              <a:solidFill>
+                <a:schemeClr val="tx1">
+                  <a:lumMod val="50000"/>
+                  <a:lumOff val="50000"/>
+                </a:schemeClr>
+              </a:solidFill>
+            </a:endParaRPr>
+          </a:p>
+        </p:txBody>
+      </p:sp>
+      <p:cxnSp>
+        <p:nvCxnSpPr>
+          <p:cNvPr id="229" name="Connecteur droit avec flèche 228">
+            <a:extLst>
+              <a:ext uri="{FF2B5EF4-FFF2-40B4-BE49-F238E27FC236}">
+                <a16:creationId xmlns:a16="http://schemas.microsoft.com/office/drawing/2014/main" id="{59679820-E051-43D4-8A48-BFB9874C52FB}"/>
+              </a:ext>
+            </a:extLst>
+          </p:cNvPr>
+          <p:cNvCxnSpPr>
+            <a:cxnSpLocks/>
+          </p:cNvCxnSpPr>
+          <p:nvPr/>
+        </p:nvCxnSpPr>
+        <p:spPr>
+          <a:xfrm flipH="1">
+            <a:off x="355797" y="6610544"/>
+            <a:ext cx="0" cy="1640367"/>
+          </a:xfrm>
+          <a:prstGeom prst="straightConnector1">
+            <a:avLst/>
+          </a:prstGeom>
+          <a:ln w="12700">
+            <a:solidFill>
+              <a:schemeClr val="tx1">
+                <a:lumMod val="50000"/>
+                <a:lumOff val="50000"/>
+              </a:schemeClr>
+            </a:solidFill>
+            <a:prstDash val="solid"/>
+            <a:headEnd type="arrow" w="med" len="med"/>
+            <a:tailEnd type="arrow" w="med" len="med"/>
+          </a:ln>
+        </p:spPr>
+        <p:style>
+          <a:lnRef idx="1">
+            <a:schemeClr val="accent1"/>
+          </a:lnRef>
+          <a:fillRef idx="0">
+            <a:schemeClr val="accent1"/>
+          </a:fillRef>
+          <a:effectRef idx="0">
+            <a:schemeClr val="accent1"/>
+          </a:effectRef>
+          <a:fontRef idx="minor">
+            <a:schemeClr val="tx1"/>
+          </a:fontRef>
+        </p:style>
+      </p:cxnSp>
+      <p:sp>
+        <p:nvSpPr>
+          <p:cNvPr id="230" name="ZoneTexte 229">
+            <a:extLst>
+              <a:ext uri="{FF2B5EF4-FFF2-40B4-BE49-F238E27FC236}">
+                <a16:creationId xmlns:a16="http://schemas.microsoft.com/office/drawing/2014/main" id="{805D32B7-9FC0-4639-8BC9-648031878598}"/>
+              </a:ext>
+            </a:extLst>
+          </p:cNvPr>
+          <p:cNvSpPr txBox="1"/>
+          <p:nvPr/>
+        </p:nvSpPr>
+        <p:spPr>
+          <a:xfrm>
+            <a:off x="212709" y="7247320"/>
+            <a:ext cx="248786" cy="369332"/>
+          </a:xfrm>
+          <a:prstGeom prst="rect">
+            <a:avLst/>
+          </a:prstGeom>
+          <a:solidFill>
+            <a:schemeClr val="bg1"/>
+          </a:solidFill>
+        </p:spPr>
+        <p:txBody>
+          <a:bodyPr wrap="none" rtlCol="0">
+            <a:spAutoFit/>
+          </a:bodyPr>
+          <a:lstStyle/>
+          <a:p>
+            <a:r>
+              <a:rPr lang="fr-FR" i="1" dirty="0">
+                <a:solidFill>
+                  <a:schemeClr val="tx1">
+                    <a:lumMod val="50000"/>
+                    <a:lumOff val="50000"/>
+                  </a:schemeClr>
+                </a:solidFill>
+              </a:rPr>
+              <a:t>t</a:t>
+            </a:r>
+          </a:p>
+        </p:txBody>
+      </p:sp>
     </p:spTree>
     <p:extLst>
       <p:ext uri="{BB962C8B-B14F-4D97-AF65-F5344CB8AC3E}">

--- a/illustrations/schema_horizon.pptx
+++ b/illustrations/schema_horizon.pptx
@@ -259,7 +259,7 @@
           <a:p>
             <a:fld id="{859FB00F-E207-4101-9940-B9E817E1FCE4}" type="datetimeFigureOut">
               <a:rPr lang="fr-FR" smtClean="0"/>
-              <a:t>03/06/2024</a:t>
+              <a:t>21/01/2025</a:t>
             </a:fld>
             <a:endParaRPr lang="fr-FR"/>
           </a:p>
@@ -457,7 +457,7 @@
           <a:p>
             <a:fld id="{859FB00F-E207-4101-9940-B9E817E1FCE4}" type="datetimeFigureOut">
               <a:rPr lang="fr-FR" smtClean="0"/>
-              <a:t>03/06/2024</a:t>
+              <a:t>21/01/2025</a:t>
             </a:fld>
             <a:endParaRPr lang="fr-FR"/>
           </a:p>
@@ -665,7 +665,7 @@
           <a:p>
             <a:fld id="{859FB00F-E207-4101-9940-B9E817E1FCE4}" type="datetimeFigureOut">
               <a:rPr lang="fr-FR" smtClean="0"/>
-              <a:t>03/06/2024</a:t>
+              <a:t>21/01/2025</a:t>
             </a:fld>
             <a:endParaRPr lang="fr-FR"/>
           </a:p>
@@ -863,7 +863,7 @@
           <a:p>
             <a:fld id="{859FB00F-E207-4101-9940-B9E817E1FCE4}" type="datetimeFigureOut">
               <a:rPr lang="fr-FR" smtClean="0"/>
-              <a:t>03/06/2024</a:t>
+              <a:t>21/01/2025</a:t>
             </a:fld>
             <a:endParaRPr lang="fr-FR"/>
           </a:p>
@@ -1138,7 +1138,7 @@
           <a:p>
             <a:fld id="{859FB00F-E207-4101-9940-B9E817E1FCE4}" type="datetimeFigureOut">
               <a:rPr lang="fr-FR" smtClean="0"/>
-              <a:t>03/06/2024</a:t>
+              <a:t>21/01/2025</a:t>
             </a:fld>
             <a:endParaRPr lang="fr-FR"/>
           </a:p>
@@ -1403,7 +1403,7 @@
           <a:p>
             <a:fld id="{859FB00F-E207-4101-9940-B9E817E1FCE4}" type="datetimeFigureOut">
               <a:rPr lang="fr-FR" smtClean="0"/>
-              <a:t>03/06/2024</a:t>
+              <a:t>21/01/2025</a:t>
             </a:fld>
             <a:endParaRPr lang="fr-FR"/>
           </a:p>
@@ -1815,7 +1815,7 @@
           <a:p>
             <a:fld id="{859FB00F-E207-4101-9940-B9E817E1FCE4}" type="datetimeFigureOut">
               <a:rPr lang="fr-FR" smtClean="0"/>
-              <a:t>03/06/2024</a:t>
+              <a:t>21/01/2025</a:t>
             </a:fld>
             <a:endParaRPr lang="fr-FR"/>
           </a:p>
@@ -1956,7 +1956,7 @@
           <a:p>
             <a:fld id="{859FB00F-E207-4101-9940-B9E817E1FCE4}" type="datetimeFigureOut">
               <a:rPr lang="fr-FR" smtClean="0"/>
-              <a:t>03/06/2024</a:t>
+              <a:t>21/01/2025</a:t>
             </a:fld>
             <a:endParaRPr lang="fr-FR"/>
           </a:p>
@@ -2069,7 +2069,7 @@
           <a:p>
             <a:fld id="{859FB00F-E207-4101-9940-B9E817E1FCE4}" type="datetimeFigureOut">
               <a:rPr lang="fr-FR" smtClean="0"/>
-              <a:t>03/06/2024</a:t>
+              <a:t>21/01/2025</a:t>
             </a:fld>
             <a:endParaRPr lang="fr-FR"/>
           </a:p>
@@ -2380,7 +2380,7 @@
           <a:p>
             <a:fld id="{859FB00F-E207-4101-9940-B9E817E1FCE4}" type="datetimeFigureOut">
               <a:rPr lang="fr-FR" smtClean="0"/>
-              <a:t>03/06/2024</a:t>
+              <a:t>21/01/2025</a:t>
             </a:fld>
             <a:endParaRPr lang="fr-FR"/>
           </a:p>
@@ -2671,7 +2671,7 @@
           <a:p>
             <a:fld id="{859FB00F-E207-4101-9940-B9E817E1FCE4}" type="datetimeFigureOut">
               <a:rPr lang="fr-FR" smtClean="0"/>
-              <a:t>03/06/2024</a:t>
+              <a:t>21/01/2025</a:t>
             </a:fld>
             <a:endParaRPr lang="fr-FR"/>
           </a:p>
@@ -2912,7 +2912,7 @@
           <a:p>
             <a:fld id="{859FB00F-E207-4101-9940-B9E817E1FCE4}" type="datetimeFigureOut">
               <a:rPr lang="fr-FR" smtClean="0"/>
-              <a:t>03/06/2024</a:t>
+              <a:t>21/01/2025</a:t>
             </a:fld>
             <a:endParaRPr lang="fr-FR"/>
           </a:p>
@@ -3331,6 +3331,58 @@
       </p:grpSpPr>
       <p:sp>
         <p:nvSpPr>
+          <p:cNvPr id="2" name="Rectangle 1">
+            <a:extLst>
+              <a:ext uri="{FF2B5EF4-FFF2-40B4-BE49-F238E27FC236}">
+                <a16:creationId xmlns:a16="http://schemas.microsoft.com/office/drawing/2014/main" id="{03D552AB-554A-4AD9-8BEA-7485BA875EF9}"/>
+              </a:ext>
+            </a:extLst>
+          </p:cNvPr>
+          <p:cNvSpPr/>
+          <p:nvPr/>
+        </p:nvSpPr>
+        <p:spPr>
+          <a:xfrm>
+            <a:off x="-93804" y="-12526"/>
+            <a:ext cx="10429995" cy="9295422"/>
+          </a:xfrm>
+          <a:prstGeom prst="rect">
+            <a:avLst/>
+          </a:prstGeom>
+          <a:solidFill>
+            <a:schemeClr val="bg1"/>
+          </a:solidFill>
+          <a:ln>
+            <a:noFill/>
+          </a:ln>
+        </p:spPr>
+        <p:style>
+          <a:lnRef idx="2">
+            <a:schemeClr val="accent1">
+              <a:shade val="50000"/>
+            </a:schemeClr>
+          </a:lnRef>
+          <a:fillRef idx="1">
+            <a:schemeClr val="accent1"/>
+          </a:fillRef>
+          <a:effectRef idx="0">
+            <a:schemeClr val="accent1"/>
+          </a:effectRef>
+          <a:fontRef idx="minor">
+            <a:schemeClr val="lt1"/>
+          </a:fontRef>
+        </p:style>
+        <p:txBody>
+          <a:bodyPr rtlCol="0" anchor="ctr"/>
+          <a:lstStyle/>
+          <a:p>
+            <a:pPr algn="ctr"/>
+            <a:endParaRPr lang="fr-FR"/>
+          </a:p>
+        </p:txBody>
+      </p:sp>
+      <p:sp>
+        <p:nvSpPr>
           <p:cNvPr id="5" name="ZoneTexte 4">
             <a:extLst>
               <a:ext uri="{FF2B5EF4-FFF2-40B4-BE49-F238E27FC236}">
@@ -3358,12 +3410,16 @@
           <a:lstStyle/>
           <a:p>
             <a:r>
-              <a:rPr lang="fr-FR" b="1" dirty="0"/>
-              <a:t>C</a:t>
+              <a:rPr lang="fr-FR" dirty="0"/>
+              <a:t>(</a:t>
+            </a:r>
+            <a:r>
+              <a:rPr lang="fr-FR" i="1" dirty="0"/>
+              <a:t>c</a:t>
             </a:r>
             <a:r>
               <a:rPr lang="fr-FR" dirty="0"/>
-              <a:t>. </a:t>
+              <a:t>) </a:t>
             </a:r>
             <a:r>
               <a:rPr lang="fr-FR" dirty="0" err="1"/>
@@ -6341,8 +6397,8 @@
             </a:p>
           </p:txBody>
         </p:sp>
-        <mc:AlternateContent xmlns:mc="http://schemas.openxmlformats.org/markup-compatibility/2006">
-          <mc:Choice xmlns:a14="http://schemas.microsoft.com/office/drawing/2010/main" Requires="a14">
+        <mc:AlternateContent xmlns:mc="http://schemas.openxmlformats.org/markup-compatibility/2006" xmlns:a14="http://schemas.microsoft.com/office/drawing/2010/main">
+          <mc:Choice Requires="a14">
             <p:sp>
               <p:nvSpPr>
                 <p:cNvPr id="241" name="ZoneTexte 240">
@@ -6399,7 +6455,7 @@
               </p:txBody>
             </p:sp>
           </mc:Choice>
-          <mc:Fallback>
+          <mc:Fallback xmlns="">
             <p:sp>
               <p:nvSpPr>
                 <p:cNvPr id="241" name="ZoneTexte 240">
@@ -9645,12 +9701,20 @@
           <a:lstStyle/>
           <a:p>
             <a:r>
-              <a:rPr lang="fr-FR" b="1" cap="small" dirty="0"/>
-              <a:t>D</a:t>
+              <a:rPr lang="fr-FR" dirty="0"/>
+              <a:t>(</a:t>
+            </a:r>
+            <a:r>
+              <a:rPr lang="fr-FR" i="1" dirty="0"/>
+              <a:t>d</a:t>
+            </a:r>
+            <a:r>
+              <a:rPr lang="fr-FR" dirty="0"/>
+              <a:t>)</a:t>
             </a:r>
             <a:r>
               <a:rPr lang="fr-FR" cap="small" dirty="0"/>
-              <a:t>. </a:t>
+              <a:t> </a:t>
             </a:r>
             <a:r>
               <a:rPr lang="fr-FR" dirty="0" err="1"/>
@@ -13246,20 +13310,28 @@
           <a:lstStyle/>
           <a:p>
             <a:r>
-              <a:rPr lang="fr-FR" b="1" cap="small" dirty="0"/>
-              <a:t>A</a:t>
+              <a:rPr lang="fr-FR" dirty="0"/>
+              <a:t>(</a:t>
+            </a:r>
+            <a:r>
+              <a:rPr lang="fr-FR" i="1" dirty="0"/>
+              <a:t>a</a:t>
+            </a:r>
+            <a:r>
+              <a:rPr lang="fr-FR" dirty="0"/>
+              <a:t>)</a:t>
             </a:r>
             <a:r>
               <a:rPr lang="fr-FR" cap="small" dirty="0"/>
-              <a:t>. </a:t>
+              <a:t> </a:t>
             </a:r>
             <a:r>
               <a:rPr lang="fr-FR" dirty="0"/>
-              <a:t>Birth-</a:t>
+              <a:t>Birth–</a:t>
             </a:r>
             <a:r>
               <a:rPr lang="fr-FR" dirty="0" err="1"/>
-              <a:t>Death</a:t>
+              <a:t>death</a:t>
             </a:r>
             <a:r>
               <a:rPr lang="fr-FR" dirty="0"/>
@@ -13875,12 +13947,16 @@
           <a:lstStyle/>
           <a:p>
             <a:r>
-              <a:rPr lang="fr-FR" b="1" cap="small" dirty="0"/>
-              <a:t>B</a:t>
+              <a:rPr lang="fr-FR" dirty="0"/>
+              <a:t>(</a:t>
             </a:r>
             <a:r>
-              <a:rPr lang="fr-FR" cap="small" dirty="0"/>
-              <a:t>. </a:t>
+              <a:rPr lang="fr-FR" i="1" dirty="0"/>
+              <a:t>b</a:t>
+            </a:r>
+            <a:r>
+              <a:rPr lang="fr-FR" dirty="0"/>
+              <a:t>) </a:t>
             </a:r>
             <a:r>
               <a:rPr lang="fr-FR" dirty="0" err="1"/>
@@ -13888,11 +13964,19 @@
             </a:r>
             <a:r>
               <a:rPr lang="fr-FR" dirty="0"/>
-              <a:t> Birth-</a:t>
+              <a:t> </a:t>
             </a:r>
             <a:r>
               <a:rPr lang="fr-FR" dirty="0" err="1"/>
-              <a:t>Death</a:t>
+              <a:t>birth</a:t>
+            </a:r>
+            <a:r>
+              <a:rPr lang="fr-FR" dirty="0"/>
+              <a:t>–</a:t>
+            </a:r>
+            <a:r>
+              <a:rPr lang="fr-FR" dirty="0" err="1"/>
+              <a:t>death</a:t>
             </a:r>
             <a:r>
               <a:rPr lang="fr-FR" dirty="0"/>
